--- a/DE.pptx
+++ b/DE.pptx
@@ -6810,7 +6810,7 @@
           <a:p>
             <a:fld id="{4583FB6F-ACA5-4987-9D7D-422181772236}" type="datetimeFigureOut">
               <a:rPr lang="ru-RU" smtClean="0"/>
-              <a:t>09.05.2022</a:t>
+              <a:t>13.05.2022</a:t>
             </a:fld>
             <a:endParaRPr lang="ru-RU"/>
           </a:p>
@@ -7916,7 +7916,7 @@
           <a:p>
             <a:fld id="{4583FB6F-ACA5-4987-9D7D-422181772236}" type="datetimeFigureOut">
               <a:rPr lang="ru-RU" smtClean="0"/>
-              <a:t>09.05.2022</a:t>
+              <a:t>13.05.2022</a:t>
             </a:fld>
             <a:endParaRPr lang="ru-RU"/>
           </a:p>
@@ -8127,7 +8127,7 @@
           <a:p>
             <a:fld id="{4583FB6F-ACA5-4987-9D7D-422181772236}" type="datetimeFigureOut">
               <a:rPr lang="ru-RU" smtClean="0"/>
-              <a:t>09.05.2022</a:t>
+              <a:t>13.05.2022</a:t>
             </a:fld>
             <a:endParaRPr lang="ru-RU"/>
           </a:p>
@@ -10072,17 +10072,6 @@
           </a:p>
           <a:p>
             <a:r>
-              <a:rPr lang="ru-RU" i="1" dirty="0" err="1">
-                <a:solidFill>
-                  <a:schemeClr val="tx1">
-                    <a:lumMod val="65000"/>
-                    <a:lumOff val="35000"/>
-                  </a:schemeClr>
-                </a:solidFill>
-              </a:rPr>
-              <a:t>Слияниие</a:t>
-            </a:r>
-            <a:r>
               <a:rPr lang="ru-RU" i="1" dirty="0">
                 <a:solidFill>
                   <a:schemeClr val="tx1">
@@ -10091,7 +10080,7 @@
                   </a:schemeClr>
                 </a:solidFill>
               </a:rPr>
-              <a:t> таблиц (</a:t>
+              <a:t>Слияние таблиц (</a:t>
             </a:r>
             <a:r>
               <a:rPr lang="en-US" i="1" dirty="0">
@@ -10126,6 +10115,27 @@
           </a:p>
           <a:p>
             <a:r>
+              <a:rPr lang="ru-RU" i="1">
+                <a:solidFill>
+                  <a:schemeClr val="tx1">
+                    <a:lumMod val="65000"/>
+                    <a:lumOff val="35000"/>
+                  </a:schemeClr>
+                </a:solidFill>
+              </a:rPr>
+              <a:t>Триггеры</a:t>
+            </a:r>
+            <a:endParaRPr lang="en-US" i="1" dirty="0">
+              <a:solidFill>
+                <a:schemeClr val="tx1">
+                  <a:lumMod val="65000"/>
+                  <a:lumOff val="35000"/>
+                </a:schemeClr>
+              </a:solidFill>
+            </a:endParaRPr>
+          </a:p>
+          <a:p>
+            <a:r>
               <a:rPr lang="en-US" i="1" dirty="0">
                 <a:solidFill>
                   <a:schemeClr val="tx1">
@@ -10199,7 +10209,29 @@
                   </a:schemeClr>
                 </a:solidFill>
               </a:rPr>
-              <a:t>, watchdog)</a:t>
+              <a:t>, watchdog, </a:t>
+            </a:r>
+            <a:r>
+              <a:rPr lang="en-US" i="1" dirty="0" err="1">
+                <a:solidFill>
+                  <a:schemeClr val="tx1">
+                    <a:lumMod val="65000"/>
+                    <a:lumOff val="35000"/>
+                  </a:schemeClr>
+                </a:solidFill>
+              </a:rPr>
+              <a:t>easygui</a:t>
+            </a:r>
+            <a:r>
+              <a:rPr lang="en-US" i="1" dirty="0">
+                <a:solidFill>
+                  <a:schemeClr val="tx1">
+                    <a:lumMod val="65000"/>
+                    <a:lumOff val="35000"/>
+                  </a:schemeClr>
+                </a:solidFill>
+              </a:rPr>
+              <a:t>)</a:t>
             </a:r>
           </a:p>
           <a:p>
